--- a/124/NETCONF/draft-ietf-netconf-yang-notifications-versioning-09.pptx
+++ b/124/NETCONF/draft-ietf-netconf-yang-notifications-versioning-09.pptx
@@ -120,7 +120,7 @@
 <file path=ppt/revisionInfo.xml><?xml version="1.0" encoding="utf-8"?>
 <p1510:revInfo xmlns:a="http://schemas.openxmlformats.org/drawingml/2006/main" xmlns:r="http://schemas.openxmlformats.org/officeDocument/2006/relationships" xmlns:p1510="http://schemas.microsoft.com/office/powerpoint/2015/10/main">
   <p1510:revLst>
-    <p1510:client id="{EFE271B2-E9F2-47EE-BC3F-BE123BE463BB}" v="15" dt="2025-10-25T09:22:46.637"/>
+    <p1510:client id="{EFE271B2-E9F2-47EE-BC3F-BE123BE463BB}" v="20" dt="2025-10-26T12:33:12.426"/>
   </p1510:revLst>
 </p1510:revInfo>
 </file>
@@ -245,12 +245,12 @@
   <pc:docChgLst>
     <pc:chgData name="Graf Thomas, SCS-INI-NET-VNC-E2E" userId="487bc3e3-9ce7-4cdd-b7b4-8899ea88d289" providerId="ADAL" clId="{EFE271B2-E9F2-47EE-BC3F-BE123BE463BB}"/>
     <pc:docChg chg="undo custSel addSld delSld modSld">
-      <pc:chgData name="Graf Thomas, SCS-INI-NET-VNC-E2E" userId="487bc3e3-9ce7-4cdd-b7b4-8899ea88d289" providerId="ADAL" clId="{EFE271B2-E9F2-47EE-BC3F-BE123BE463BB}" dt="2025-10-25T09:30:01.627" v="1008" actId="20577"/>
+      <pc:chgData name="Graf Thomas, SCS-INI-NET-VNC-E2E" userId="487bc3e3-9ce7-4cdd-b7b4-8899ea88d289" providerId="ADAL" clId="{EFE271B2-E9F2-47EE-BC3F-BE123BE463BB}" dt="2025-10-26T12:31:35.644" v="1075" actId="20577"/>
       <pc:docMkLst>
         <pc:docMk/>
       </pc:docMkLst>
       <pc:sldChg chg="modSp add mod">
-        <pc:chgData name="Graf Thomas, SCS-INI-NET-VNC-E2E" userId="487bc3e3-9ce7-4cdd-b7b4-8899ea88d289" providerId="ADAL" clId="{EFE271B2-E9F2-47EE-BC3F-BE123BE463BB}" dt="2025-10-25T09:30:01.627" v="1008" actId="20577"/>
+        <pc:chgData name="Graf Thomas, SCS-INI-NET-VNC-E2E" userId="487bc3e3-9ce7-4cdd-b7b4-8899ea88d289" providerId="ADAL" clId="{EFE271B2-E9F2-47EE-BC3F-BE123BE463BB}" dt="2025-10-26T12:31:35.644" v="1075" actId="20577"/>
         <pc:sldMkLst>
           <pc:docMk/>
           <pc:sldMk cId="0" sldId="257"/>
@@ -264,7 +264,7 @@
           </ac:spMkLst>
         </pc:spChg>
         <pc:spChg chg="mod">
-          <ac:chgData name="Graf Thomas, SCS-INI-NET-VNC-E2E" userId="487bc3e3-9ce7-4cdd-b7b4-8899ea88d289" providerId="ADAL" clId="{EFE271B2-E9F2-47EE-BC3F-BE123BE463BB}" dt="2025-10-25T09:30:01.627" v="1008" actId="20577"/>
+          <ac:chgData name="Graf Thomas, SCS-INI-NET-VNC-E2E" userId="487bc3e3-9ce7-4cdd-b7b4-8899ea88d289" providerId="ADAL" clId="{EFE271B2-E9F2-47EE-BC3F-BE123BE463BB}" dt="2025-10-26T12:31:35.644" v="1075" actId="20577"/>
           <ac:spMkLst>
             <pc:docMk/>
             <pc:sldMk cId="0" sldId="257"/>
@@ -273,13 +273,13 @@
         </pc:spChg>
       </pc:sldChg>
       <pc:sldChg chg="modSp mod">
-        <pc:chgData name="Graf Thomas, SCS-INI-NET-VNC-E2E" userId="487bc3e3-9ce7-4cdd-b7b4-8899ea88d289" providerId="ADAL" clId="{EFE271B2-E9F2-47EE-BC3F-BE123BE463BB}" dt="2025-10-25T09:05:44.831" v="49" actId="20577"/>
+        <pc:chgData name="Graf Thomas, SCS-INI-NET-VNC-E2E" userId="487bc3e3-9ce7-4cdd-b7b4-8899ea88d289" providerId="ADAL" clId="{EFE271B2-E9F2-47EE-BC3F-BE123BE463BB}" dt="2025-10-26T12:30:25.089" v="1010" actId="113"/>
         <pc:sldMkLst>
           <pc:docMk/>
           <pc:sldMk cId="3578665336" sldId="1041"/>
         </pc:sldMkLst>
         <pc:spChg chg="mod">
-          <ac:chgData name="Graf Thomas, SCS-INI-NET-VNC-E2E" userId="487bc3e3-9ce7-4cdd-b7b4-8899ea88d289" providerId="ADAL" clId="{EFE271B2-E9F2-47EE-BC3F-BE123BE463BB}" dt="2025-10-25T08:59:08.429" v="8" actId="108"/>
+          <ac:chgData name="Graf Thomas, SCS-INI-NET-VNC-E2E" userId="487bc3e3-9ce7-4cdd-b7b4-8899ea88d289" providerId="ADAL" clId="{EFE271B2-E9F2-47EE-BC3F-BE123BE463BB}" dt="2025-10-26T12:30:25.089" v="1010" actId="113"/>
           <ac:spMkLst>
             <pc:docMk/>
             <pc:sldMk cId="3578665336" sldId="1041"/>
@@ -295,12 +295,20 @@
           </ac:spMkLst>
         </pc:spChg>
       </pc:sldChg>
-      <pc:sldChg chg="modSp add mod">
-        <pc:chgData name="Graf Thomas, SCS-INI-NET-VNC-E2E" userId="487bc3e3-9ce7-4cdd-b7b4-8899ea88d289" providerId="ADAL" clId="{EFE271B2-E9F2-47EE-BC3F-BE123BE463BB}" dt="2025-10-25T09:24:12.588" v="661" actId="20577"/>
+      <pc:sldChg chg="addSp modSp add mod">
+        <pc:chgData name="Graf Thomas, SCS-INI-NET-VNC-E2E" userId="487bc3e3-9ce7-4cdd-b7b4-8899ea88d289" providerId="ADAL" clId="{EFE271B2-E9F2-47EE-BC3F-BE123BE463BB}" dt="2025-10-26T12:30:29.066" v="1011"/>
         <pc:sldMkLst>
           <pc:docMk/>
           <pc:sldMk cId="1426225457" sldId="1042"/>
         </pc:sldMkLst>
+        <pc:spChg chg="add mod">
+          <ac:chgData name="Graf Thomas, SCS-INI-NET-VNC-E2E" userId="487bc3e3-9ce7-4cdd-b7b4-8899ea88d289" providerId="ADAL" clId="{EFE271B2-E9F2-47EE-BC3F-BE123BE463BB}" dt="2025-10-26T12:30:29.066" v="1011"/>
+          <ac:spMkLst>
+            <pc:docMk/>
+            <pc:sldMk cId="1426225457" sldId="1042"/>
+            <ac:spMk id="2" creationId="{9397E8D5-37AC-AA74-2F68-BD573EFC402B}"/>
+          </ac:spMkLst>
+        </pc:spChg>
         <pc:spChg chg="mod">
           <ac:chgData name="Graf Thomas, SCS-INI-NET-VNC-E2E" userId="487bc3e3-9ce7-4cdd-b7b4-8899ea88d289" providerId="ADAL" clId="{EFE271B2-E9F2-47EE-BC3F-BE123BE463BB}" dt="2025-10-25T09:21:59.506" v="599" actId="207"/>
           <ac:spMkLst>
@@ -599,7 +607,7 @@
           <a:p>
             <a:fld id="{E5E705E9-673F-4AC4-B29E-A7B26F3B8523}" type="datetimeFigureOut">
               <a:rPr lang="de-CH" smtClean="0"/>
-              <a:t>25.10.2025</a:t>
+              <a:t>26.10.2025</a:t>
             </a:fld>
             <a:endParaRPr lang="de-CH"/>
           </a:p>
@@ -1247,7 +1255,7 @@
           <a:p>
             <a:fld id="{9E9B238C-2335-4007-98C9-471C02CC43B6}" type="datetimeFigureOut">
               <a:rPr lang="de-CH" smtClean="0"/>
-              <a:t>25.10.2025</a:t>
+              <a:t>26.10.2025</a:t>
             </a:fld>
             <a:endParaRPr lang="de-CH"/>
           </a:p>
@@ -1447,7 +1455,7 @@
           <a:p>
             <a:fld id="{9E9B238C-2335-4007-98C9-471C02CC43B6}" type="datetimeFigureOut">
               <a:rPr lang="de-CH" smtClean="0"/>
-              <a:t>25.10.2025</a:t>
+              <a:t>26.10.2025</a:t>
             </a:fld>
             <a:endParaRPr lang="de-CH"/>
           </a:p>
@@ -1657,7 +1665,7 @@
           <a:p>
             <a:fld id="{9E9B238C-2335-4007-98C9-471C02CC43B6}" type="datetimeFigureOut">
               <a:rPr lang="de-CH" smtClean="0"/>
-              <a:t>25.10.2025</a:t>
+              <a:t>26.10.2025</a:t>
             </a:fld>
             <a:endParaRPr lang="de-CH"/>
           </a:p>
@@ -1857,7 +1865,7 @@
           <a:p>
             <a:fld id="{9E9B238C-2335-4007-98C9-471C02CC43B6}" type="datetimeFigureOut">
               <a:rPr lang="de-CH" smtClean="0"/>
-              <a:t>25.10.2025</a:t>
+              <a:t>26.10.2025</a:t>
             </a:fld>
             <a:endParaRPr lang="de-CH"/>
           </a:p>
@@ -2133,7 +2141,7 @@
           <a:p>
             <a:fld id="{9E9B238C-2335-4007-98C9-471C02CC43B6}" type="datetimeFigureOut">
               <a:rPr lang="de-CH" smtClean="0"/>
-              <a:t>25.10.2025</a:t>
+              <a:t>26.10.2025</a:t>
             </a:fld>
             <a:endParaRPr lang="de-CH"/>
           </a:p>
@@ -2401,7 +2409,7 @@
           <a:p>
             <a:fld id="{9E9B238C-2335-4007-98C9-471C02CC43B6}" type="datetimeFigureOut">
               <a:rPr lang="de-CH" smtClean="0"/>
-              <a:t>25.10.2025</a:t>
+              <a:t>26.10.2025</a:t>
             </a:fld>
             <a:endParaRPr lang="de-CH"/>
           </a:p>
@@ -2816,7 +2824,7 @@
           <a:p>
             <a:fld id="{9E9B238C-2335-4007-98C9-471C02CC43B6}" type="datetimeFigureOut">
               <a:rPr lang="de-CH" smtClean="0"/>
-              <a:t>25.10.2025</a:t>
+              <a:t>26.10.2025</a:t>
             </a:fld>
             <a:endParaRPr lang="de-CH"/>
           </a:p>
@@ -2958,7 +2966,7 @@
           <a:p>
             <a:fld id="{9E9B238C-2335-4007-98C9-471C02CC43B6}" type="datetimeFigureOut">
               <a:rPr lang="de-CH" smtClean="0"/>
-              <a:t>25.10.2025</a:t>
+              <a:t>26.10.2025</a:t>
             </a:fld>
             <a:endParaRPr lang="de-CH"/>
           </a:p>
@@ -3071,7 +3079,7 @@
           <a:p>
             <a:fld id="{9E9B238C-2335-4007-98C9-471C02CC43B6}" type="datetimeFigureOut">
               <a:rPr lang="de-CH" smtClean="0"/>
-              <a:t>25.10.2025</a:t>
+              <a:t>26.10.2025</a:t>
             </a:fld>
             <a:endParaRPr lang="de-CH"/>
           </a:p>
@@ -3384,7 +3392,7 @@
           <a:p>
             <a:fld id="{9E9B238C-2335-4007-98C9-471C02CC43B6}" type="datetimeFigureOut">
               <a:rPr lang="de-CH" smtClean="0"/>
-              <a:t>25.10.2025</a:t>
+              <a:t>26.10.2025</a:t>
             </a:fld>
             <a:endParaRPr lang="de-CH"/>
           </a:p>
@@ -3673,7 +3681,7 @@
           <a:p>
             <a:fld id="{9E9B238C-2335-4007-98C9-471C02CC43B6}" type="datetimeFigureOut">
               <a:rPr lang="de-CH" smtClean="0"/>
-              <a:t>25.10.2025</a:t>
+              <a:t>26.10.2025</a:t>
             </a:fld>
             <a:endParaRPr lang="de-CH"/>
           </a:p>
@@ -3916,7 +3924,7 @@
           <a:p>
             <a:fld id="{9E9B238C-2335-4007-98C9-471C02CC43B6}" type="datetimeFigureOut">
               <a:rPr lang="de-CH" smtClean="0"/>
-              <a:t>25.10.2025</a:t>
+              <a:t>26.10.2025</a:t>
             </a:fld>
             <a:endParaRPr lang="de-CH"/>
           </a:p>
@@ -4681,7 +4689,7 @@
               <a:buNone/>
             </a:pPr>
             <a:r>
-              <a:rPr lang="de-CH" sz="3800" dirty="0">
+              <a:rPr lang="de-CH" sz="3800" b="1" dirty="0">
                 <a:latin typeface="+mj-lt"/>
               </a:rPr>
               <a:t>thomas.graf@swisscom.com</a:t>
@@ -4737,7 +4745,7 @@
               <a:rPr lang="de-CH" sz="3800" dirty="0">
                 <a:latin typeface="+mj-lt"/>
               </a:rPr>
-              <a:t>25. </a:t>
+              <a:t>26. </a:t>
             </a:r>
             <a:r>
               <a:rPr lang="de-CH" sz="3800" dirty="0" err="1">
@@ -4916,7 +4924,45 @@
             </a:pPr>
             <a:r>
               <a:rPr lang="en-US" sz="1600" dirty="0"/>
-              <a:t>Last presented at IETF 120. Worked since -07 on more implementations and reflected latest changes from normative downward references in -09.</a:t>
+              <a:t>Last presented at IETF 120. </a:t>
+            </a:r>
+          </a:p>
+          <a:p>
+            <a:pPr>
+              <a:lnSpc>
+                <a:spcPct val="115000"/>
+              </a:lnSpc>
+              <a:spcBef>
+                <a:spcPts val="300"/>
+              </a:spcBef>
+              <a:buSzPts val="1900"/>
+            </a:pPr>
+            <a:r>
+              <a:rPr lang="en-US" sz="1600" b="1" dirty="0">
+                <a:solidFill>
+                  <a:srgbClr val="FF0000"/>
+                </a:solidFill>
+              </a:rPr>
+              <a:t>Worked on more implementations since -07 and updated implementation status section.</a:t>
+            </a:r>
+          </a:p>
+          <a:p>
+            <a:pPr>
+              <a:lnSpc>
+                <a:spcPct val="115000"/>
+              </a:lnSpc>
+              <a:spcBef>
+                <a:spcPts val="300"/>
+              </a:spcBef>
+              <a:buSzPts val="1900"/>
+            </a:pPr>
+            <a:r>
+              <a:rPr lang="en-US" sz="1600" b="1" dirty="0">
+                <a:solidFill>
+                  <a:srgbClr val="FF0000"/>
+                </a:solidFill>
+              </a:rPr>
+              <a:t>Reflected latest changes from normative downward references in -09.</a:t>
             </a:r>
           </a:p>
           <a:p>
@@ -4950,31 +4996,37 @@
               <a:t>Thanks a lot Rob for the feedback. We updated the "</a:t>
             </a:r>
             <a:r>
-              <a:rPr lang="en-US" sz="1600" dirty="0" err="1"/>
-              <a:t>ietf</a:t>
+              <a:rPr lang="en-US" sz="1600" dirty="0">
+                <a:hlinkClick r:id="rId3"/>
+              </a:rPr>
+              <a:t>ietf-yang-push-revision</a:t>
             </a:r>
             <a:r>
               <a:rPr lang="en-US" sz="1600" dirty="0"/>
-              <a:t>-yang-push-revision" yang module to reflect the name change from "draft-</a:t>
-            </a:r>
-            <a:r>
-              <a:rPr lang="en-US" sz="1600" dirty="0" err="1"/>
-              <a:t>ietf</a:t>
-            </a:r>
-            <a:r>
-              <a:rPr lang="en-US" sz="1600" dirty="0"/>
-              <a:t>-</a:t>
-            </a:r>
-            <a:r>
-              <a:rPr lang="en-US" sz="1600" dirty="0" err="1"/>
+              <a:t>" yang module to reflect the name change from "</a:t>
+            </a:r>
+            <a:r>
+              <a:rPr lang="en-US" sz="1600" dirty="0">
+                <a:hlinkClick r:id="rId4"/>
+              </a:rPr>
+              <a:t>draft-ietf-</a:t>
+            </a:r>
+            <a:r>
+              <a:rPr lang="en-US" sz="1600" dirty="0" err="1">
+                <a:hlinkClick r:id="rId4"/>
+              </a:rPr>
               <a:t>netmod</a:t>
             </a:r>
             <a:r>
-              <a:rPr lang="en-US" sz="1600" dirty="0"/>
+              <a:rPr lang="en-US" sz="1600" dirty="0">
+                <a:hlinkClick r:id="rId4"/>
+              </a:rPr>
               <a:t>-yang-</a:t>
             </a:r>
             <a:r>
-              <a:rPr lang="en-US" sz="1600" dirty="0" err="1"/>
+              <a:rPr lang="en-US" sz="1600" dirty="0" err="1">
+                <a:hlinkClick r:id="rId4"/>
+              </a:rPr>
               <a:t>semver</a:t>
             </a:r>
             <a:r>
@@ -4983,7 +5035,7 @@
             </a:r>
             <a:r>
               <a:rPr lang="en-US" sz="1600" dirty="0">
-                <a:hlinkClick r:id="rId3"/>
+                <a:hlinkClick r:id="rId5"/>
               </a:rPr>
               <a:t>Section 4.31 of draft-ietf-netmod-rfc8470bis</a:t>
             </a:r>
@@ -5051,15 +5103,7 @@
             </a:pPr>
             <a:r>
               <a:rPr lang="en-US" sz="1600" dirty="0"/>
-              <a:t>Extends </a:t>
-            </a:r>
-            <a:r>
-              <a:rPr lang="en-US" sz="1600" dirty="0" err="1"/>
-              <a:t>ietf</a:t>
-            </a:r>
-            <a:r>
-              <a:rPr lang="en-US" sz="1600" dirty="0"/>
-              <a:t>-notification-capabilities with a "yang-push-module-revision-supported" leaf. This allows a Netconf/</a:t>
+              <a:t>Extends ietf-notification-capabilities with a "yang-push-module-revision-supported" leaf. This allows a Netconf/</a:t>
             </a:r>
             <a:r>
               <a:rPr lang="en-US" sz="1600" dirty="0" err="1"/>
@@ -5477,6 +5521,278 @@
               <a:t>3</a:t>
             </a:fld>
             <a:endParaRPr lang="en-US" sz="1400" dirty="0"/>
+          </a:p>
+        </p:txBody>
+      </p:sp>
+      <p:sp>
+        <p:nvSpPr>
+          <p:cNvPr id="2" name="Subtitle 4">
+            <a:extLst>
+              <a:ext uri="{FF2B5EF4-FFF2-40B4-BE49-F238E27FC236}">
+                <a16:creationId xmlns:a16="http://schemas.microsoft.com/office/drawing/2014/main" id="{9397E8D5-37AC-AA74-2F68-BD573EFC402B}"/>
+              </a:ext>
+            </a:extLst>
+          </p:cNvPr>
+          <p:cNvSpPr txBox="1">
+            <a:spLocks/>
+          </p:cNvSpPr>
+          <p:nvPr/>
+        </p:nvSpPr>
+        <p:spPr>
+          <a:xfrm>
+            <a:off x="838200" y="5204299"/>
+            <a:ext cx="11163943" cy="1157338"/>
+          </a:xfrm>
+          <a:prstGeom prst="rect">
+            <a:avLst/>
+          </a:prstGeom>
+        </p:spPr>
+        <p:txBody>
+          <a:bodyPr vert="horz" lIns="91440" tIns="45720" rIns="91440" bIns="45720" rtlCol="0">
+            <a:normAutofit fontScale="40000" lnSpcReduction="20000"/>
+          </a:bodyPr>
+          <a:lstStyle>
+            <a:lvl1pPr marL="228600" indent="-228600" algn="l" defTabSz="914400" rtl="0" eaLnBrk="1" latinLnBrk="0" hangingPunct="1">
+              <a:lnSpc>
+                <a:spcPct val="90000"/>
+              </a:lnSpc>
+              <a:spcBef>
+                <a:spcPts val="1000"/>
+              </a:spcBef>
+              <a:buFont typeface="Arial" panose="020B0604020202020204" pitchFamily="34" charset="0"/>
+              <a:buChar char="•"/>
+              <a:defRPr sz="2800" kern="1200">
+                <a:solidFill>
+                  <a:schemeClr val="tx1"/>
+                </a:solidFill>
+                <a:latin typeface="+mn-lt"/>
+                <a:ea typeface="+mn-ea"/>
+                <a:cs typeface="+mn-cs"/>
+              </a:defRPr>
+            </a:lvl1pPr>
+            <a:lvl2pPr marL="685800" indent="-228600" algn="l" defTabSz="914400" rtl="0" eaLnBrk="1" latinLnBrk="0" hangingPunct="1">
+              <a:lnSpc>
+                <a:spcPct val="90000"/>
+              </a:lnSpc>
+              <a:spcBef>
+                <a:spcPts val="500"/>
+              </a:spcBef>
+              <a:buFont typeface="Arial" panose="020B0604020202020204" pitchFamily="34" charset="0"/>
+              <a:buChar char="•"/>
+              <a:defRPr sz="2400" kern="1200">
+                <a:solidFill>
+                  <a:schemeClr val="tx1"/>
+                </a:solidFill>
+                <a:latin typeface="+mn-lt"/>
+                <a:ea typeface="+mn-ea"/>
+                <a:cs typeface="+mn-cs"/>
+              </a:defRPr>
+            </a:lvl2pPr>
+            <a:lvl3pPr marL="1143000" indent="-228600" algn="l" defTabSz="914400" rtl="0" eaLnBrk="1" latinLnBrk="0" hangingPunct="1">
+              <a:lnSpc>
+                <a:spcPct val="90000"/>
+              </a:lnSpc>
+              <a:spcBef>
+                <a:spcPts val="500"/>
+              </a:spcBef>
+              <a:buFont typeface="Arial" panose="020B0604020202020204" pitchFamily="34" charset="0"/>
+              <a:buChar char="•"/>
+              <a:defRPr sz="2000" kern="1200">
+                <a:solidFill>
+                  <a:schemeClr val="tx1"/>
+                </a:solidFill>
+                <a:latin typeface="+mn-lt"/>
+                <a:ea typeface="+mn-ea"/>
+                <a:cs typeface="+mn-cs"/>
+              </a:defRPr>
+            </a:lvl3pPr>
+            <a:lvl4pPr marL="1600200" indent="-228600" algn="l" defTabSz="914400" rtl="0" eaLnBrk="1" latinLnBrk="0" hangingPunct="1">
+              <a:lnSpc>
+                <a:spcPct val="90000"/>
+              </a:lnSpc>
+              <a:spcBef>
+                <a:spcPts val="500"/>
+              </a:spcBef>
+              <a:buFont typeface="Arial" panose="020B0604020202020204" pitchFamily="34" charset="0"/>
+              <a:buChar char="•"/>
+              <a:defRPr sz="1800" kern="1200">
+                <a:solidFill>
+                  <a:schemeClr val="tx1"/>
+                </a:solidFill>
+                <a:latin typeface="+mn-lt"/>
+                <a:ea typeface="+mn-ea"/>
+                <a:cs typeface="+mn-cs"/>
+              </a:defRPr>
+            </a:lvl4pPr>
+            <a:lvl5pPr marL="2057400" indent="-228600" algn="l" defTabSz="914400" rtl="0" eaLnBrk="1" latinLnBrk="0" hangingPunct="1">
+              <a:lnSpc>
+                <a:spcPct val="90000"/>
+              </a:lnSpc>
+              <a:spcBef>
+                <a:spcPts val="500"/>
+              </a:spcBef>
+              <a:buFont typeface="Arial" panose="020B0604020202020204" pitchFamily="34" charset="0"/>
+              <a:buChar char="•"/>
+              <a:defRPr sz="1800" kern="1200">
+                <a:solidFill>
+                  <a:schemeClr val="tx1"/>
+                </a:solidFill>
+                <a:latin typeface="+mn-lt"/>
+                <a:ea typeface="+mn-ea"/>
+                <a:cs typeface="+mn-cs"/>
+              </a:defRPr>
+            </a:lvl5pPr>
+            <a:lvl6pPr marL="2514600" indent="-228600" algn="l" defTabSz="914400" rtl="0" eaLnBrk="1" latinLnBrk="0" hangingPunct="1">
+              <a:lnSpc>
+                <a:spcPct val="90000"/>
+              </a:lnSpc>
+              <a:spcBef>
+                <a:spcPts val="500"/>
+              </a:spcBef>
+              <a:buFont typeface="Arial" panose="020B0604020202020204" pitchFamily="34" charset="0"/>
+              <a:buChar char="•"/>
+              <a:defRPr sz="1800" kern="1200">
+                <a:solidFill>
+                  <a:schemeClr val="tx1"/>
+                </a:solidFill>
+                <a:latin typeface="+mn-lt"/>
+                <a:ea typeface="+mn-ea"/>
+                <a:cs typeface="+mn-cs"/>
+              </a:defRPr>
+            </a:lvl6pPr>
+            <a:lvl7pPr marL="2971800" indent="-228600" algn="l" defTabSz="914400" rtl="0" eaLnBrk="1" latinLnBrk="0" hangingPunct="1">
+              <a:lnSpc>
+                <a:spcPct val="90000"/>
+              </a:lnSpc>
+              <a:spcBef>
+                <a:spcPts val="500"/>
+              </a:spcBef>
+              <a:buFont typeface="Arial" panose="020B0604020202020204" pitchFamily="34" charset="0"/>
+              <a:buChar char="•"/>
+              <a:defRPr sz="1800" kern="1200">
+                <a:solidFill>
+                  <a:schemeClr val="tx1"/>
+                </a:solidFill>
+                <a:latin typeface="+mn-lt"/>
+                <a:ea typeface="+mn-ea"/>
+                <a:cs typeface="+mn-cs"/>
+              </a:defRPr>
+            </a:lvl7pPr>
+            <a:lvl8pPr marL="3429000" indent="-228600" algn="l" defTabSz="914400" rtl="0" eaLnBrk="1" latinLnBrk="0" hangingPunct="1">
+              <a:lnSpc>
+                <a:spcPct val="90000"/>
+              </a:lnSpc>
+              <a:spcBef>
+                <a:spcPts val="500"/>
+              </a:spcBef>
+              <a:buFont typeface="Arial" panose="020B0604020202020204" pitchFamily="34" charset="0"/>
+              <a:buChar char="•"/>
+              <a:defRPr sz="1800" kern="1200">
+                <a:solidFill>
+                  <a:schemeClr val="tx1"/>
+                </a:solidFill>
+                <a:latin typeface="+mn-lt"/>
+                <a:ea typeface="+mn-ea"/>
+                <a:cs typeface="+mn-cs"/>
+              </a:defRPr>
+            </a:lvl8pPr>
+            <a:lvl9pPr marL="3886200" indent="-228600" algn="l" defTabSz="914400" rtl="0" eaLnBrk="1" latinLnBrk="0" hangingPunct="1">
+              <a:lnSpc>
+                <a:spcPct val="90000"/>
+              </a:lnSpc>
+              <a:spcBef>
+                <a:spcPts val="500"/>
+              </a:spcBef>
+              <a:buFont typeface="Arial" panose="020B0604020202020204" pitchFamily="34" charset="0"/>
+              <a:buChar char="•"/>
+              <a:defRPr sz="1800" kern="1200">
+                <a:solidFill>
+                  <a:schemeClr val="tx1"/>
+                </a:solidFill>
+                <a:latin typeface="+mn-lt"/>
+                <a:ea typeface="+mn-ea"/>
+                <a:cs typeface="+mn-cs"/>
+              </a:defRPr>
+            </a:lvl9pPr>
+          </a:lstStyle>
+          <a:p>
+            <a:pPr marL="0" indent="0" algn="r">
+              <a:spcBef>
+                <a:spcPts val="300"/>
+              </a:spcBef>
+              <a:buNone/>
+            </a:pPr>
+            <a:r>
+              <a:rPr lang="de-CH" sz="3800" b="1" dirty="0">
+                <a:latin typeface="+mj-lt"/>
+              </a:rPr>
+              <a:t>thomas.graf@swisscom.com</a:t>
+            </a:r>
+          </a:p>
+          <a:p>
+            <a:pPr marL="0" indent="0" algn="r">
+              <a:spcBef>
+                <a:spcPts val="300"/>
+              </a:spcBef>
+              <a:buNone/>
+            </a:pPr>
+            <a:r>
+              <a:rPr lang="de-CH" sz="3800" dirty="0">
+                <a:latin typeface="+mj-lt"/>
+              </a:rPr>
+              <a:t>benoit.claise@huawei.com</a:t>
+            </a:r>
+          </a:p>
+          <a:p>
+            <a:pPr marL="0" indent="0" algn="r">
+              <a:spcBef>
+                <a:spcPts val="300"/>
+              </a:spcBef>
+              <a:buNone/>
+            </a:pPr>
+            <a:r>
+              <a:rPr lang="de-CH" sz="3800" dirty="0">
+                <a:latin typeface="+mj-lt"/>
+              </a:rPr>
+              <a:t>alex.huang-feng@insa-lyon.fr</a:t>
+            </a:r>
+          </a:p>
+          <a:p>
+            <a:pPr marL="0" indent="0" algn="r">
+              <a:spcBef>
+                <a:spcPts val="300"/>
+              </a:spcBef>
+              <a:buNone/>
+            </a:pPr>
+            <a:endParaRPr lang="de-CH" sz="3800" dirty="0">
+              <a:latin typeface="+mj-lt"/>
+            </a:endParaRPr>
+          </a:p>
+          <a:p>
+            <a:pPr marL="0" indent="0" algn="r">
+              <a:spcBef>
+                <a:spcPts val="300"/>
+              </a:spcBef>
+              <a:buNone/>
+            </a:pPr>
+            <a:r>
+              <a:rPr lang="de-CH" sz="3800" dirty="0">
+                <a:latin typeface="+mj-lt"/>
+              </a:rPr>
+              <a:t>26. </a:t>
+            </a:r>
+            <a:r>
+              <a:rPr lang="de-CH" sz="3800" dirty="0" err="1">
+                <a:latin typeface="+mj-lt"/>
+              </a:rPr>
+              <a:t>October</a:t>
+            </a:r>
+            <a:r>
+              <a:rPr lang="de-CH" sz="3800" dirty="0">
+                <a:latin typeface="+mj-lt"/>
+              </a:rPr>
+              <a:t> 2025</a:t>
+            </a:r>
           </a:p>
         </p:txBody>
       </p:sp>
